--- a/Ionic Day4 Ionic plus FIREBASE Select-Search.pptx
+++ b/Ionic Day4 Ionic plus FIREBASE Select-Search.pptx
@@ -5,7 +5,7 @@
     <p:sldMasterId id="2147483648" r:id="rId1"/>
   </p:sldMasterIdLst>
   <p:notesMasterIdLst>
-    <p:notesMasterId r:id="rId18"/>
+    <p:notesMasterId r:id="rId19"/>
   </p:notesMasterIdLst>
   <p:sldIdLst>
     <p:sldId id="256" r:id="rId2"/>
@@ -23,17 +23,18 @@
     <p:sldId id="277" r:id="rId14"/>
     <p:sldId id="287" r:id="rId15"/>
     <p:sldId id="289" r:id="rId16"/>
-    <p:sldId id="288" r:id="rId17"/>
+    <p:sldId id="291" r:id="rId17"/>
+    <p:sldId id="288" r:id="rId18"/>
   </p:sldIdLst>
   <p:sldSz cx="9144000" cy="5143500" type="screen16x9"/>
   <p:notesSz cx="6858000" cy="9144000"/>
   <p:embeddedFontLst>
     <p:embeddedFont>
       <p:font typeface="Roboto" panose="020B0604020202020204" charset="0"/>
-      <p:regular r:id="rId19"/>
-      <p:bold r:id="rId20"/>
-      <p:italic r:id="rId21"/>
-      <p:boldItalic r:id="rId22"/>
+      <p:regular r:id="rId20"/>
+      <p:bold r:id="rId21"/>
+      <p:italic r:id="rId22"/>
+      <p:boldItalic r:id="rId23"/>
     </p:embeddedFont>
   </p:embeddedFontLst>
   <p:defaultTextStyle>
@@ -270,7 +271,7 @@
       <p15:sldGuideLst xmlns:p15="http://schemas.microsoft.com/office/powerpoint/2012/main"/>
     </p:ext>
     <p:ext uri="http://customooxmlschemas.google.com/">
-      <go:slidesCustomData xmlns="" xmlns:mc="http://schemas.openxmlformats.org/markup-compatibility/2006" xmlns:mv="urn:schemas-microsoft-com:mac:vml" xmlns:c="http://schemas.openxmlformats.org/drawingml/2006/chart" xmlns:dgm="http://schemas.openxmlformats.org/drawingml/2006/diagram" xmlns:o="urn:schemas-microsoft-com:office:office" xmlns:v="urn:schemas-microsoft-com:vml" xmlns:pvml="urn:schemas-microsoft-com:office:powerpoint" xmlns:com="http://schemas.openxmlformats.org/drawingml/2006/compatibility" xmlns:p14="http://schemas.microsoft.com/office/powerpoint/2010/main" xmlns:p15="http://schemas.microsoft.com/office/powerpoint/2012/main" xmlns:go="http://customooxmlschemas.google.com/" r:id="rId58" roundtripDataSignature="AMtx7mjR178okyCHjmIxPR00TaM5Qvfs0g=="/>
+      <go:slidesCustomData xmlns:go="http://customooxmlschemas.google.com/" xmlns:p15="http://schemas.microsoft.com/office/powerpoint/2012/main" xmlns:p14="http://schemas.microsoft.com/office/powerpoint/2010/main" xmlns:com="http://schemas.openxmlformats.org/drawingml/2006/compatibility" xmlns:pvml="urn:schemas-microsoft-com:office:powerpoint" xmlns:v="urn:schemas-microsoft-com:vml" xmlns:o="urn:schemas-microsoft-com:office:office" xmlns:dgm="http://schemas.openxmlformats.org/drawingml/2006/diagram" xmlns:c="http://schemas.openxmlformats.org/drawingml/2006/chart" xmlns:mv="urn:schemas-microsoft-com:mac:vml" xmlns:mc="http://schemas.openxmlformats.org/markup-compatibility/2006" xmlns="" r:id="rId58" roundtripDataSignature="AMtx7mjR178okyCHjmIxPR00TaM5Qvfs0g=="/>
     </p:ext>
   </p:extLst>
 </p:presentation>
@@ -6843,7 +6844,7 @@
             </a:pPr>
             <a:r>
               <a:rPr lang="en-MY" dirty="0"/>
-              <a:t>Select Records</a:t>
+              <a:t>SELECT Records</a:t>
             </a:r>
             <a:endParaRPr dirty="0"/>
           </a:p>
@@ -6892,7 +6893,7 @@
               <a:buNone/>
             </a:pPr>
             <a:r>
-              <a:rPr lang="en" sz="3600" b="1" i="0" u="sng" strike="noStrike" cap="none">
+              <a:rPr lang="en" sz="3600" b="1" i="0" strike="noStrike" cap="none" dirty="0">
                 <a:solidFill>
                   <a:srgbClr val="FFFFFF"/>
                 </a:solidFill>
@@ -6900,11 +6901,10 @@
                 <a:ea typeface="Roboto"/>
                 <a:cs typeface="Roboto"/>
                 <a:sym typeface="Roboto"/>
-                <a:hlinkClick r:id="rId3"/>
               </a:rPr>
               <a:t>SLIDES/NOTES</a:t>
             </a:r>
-            <a:endParaRPr/>
+            <a:endParaRPr dirty="0"/>
           </a:p>
           <a:p>
             <a:pPr marL="0" marR="0" lvl="0" indent="0" algn="l" rtl="0">
@@ -6925,25 +6925,36 @@
               <a:buNone/>
             </a:pPr>
             <a:r>
-              <a:rPr lang="en" sz="3600" b="1" i="0" u="sng" strike="noStrike" cap="none">
+              <a:rPr lang="en" sz="3600" b="1" dirty="0">
                 <a:solidFill>
                   <a:srgbClr val="FFFFFF"/>
                 </a:solidFill>
-                <a:latin typeface="Roboto"/>
+                <a:latin typeface="Courier New" panose="02070309020205020404" pitchFamily="49" charset="0"/>
                 <a:ea typeface="Roboto"/>
-                <a:cs typeface="Roboto"/>
+                <a:cs typeface="Courier New" panose="02070309020205020404" pitchFamily="49" charset="0"/>
                 <a:sym typeface="Roboto"/>
-                <a:hlinkClick r:id="rId3"/>
               </a:rPr>
-              <a:t>Bit.ly/ionickerul</a:t>
+              <a:t>b</a:t>
             </a:r>
-            <a:endParaRPr sz="3600" b="0" i="0" u="none" strike="noStrike" cap="none">
+            <a:r>
+              <a:rPr lang="en" sz="3600" b="1" i="0" strike="noStrike" cap="none" dirty="0">
+                <a:solidFill>
+                  <a:srgbClr val="FFFFFF"/>
+                </a:solidFill>
+                <a:latin typeface="Courier New" panose="02070309020205020404" pitchFamily="49" charset="0"/>
+                <a:ea typeface="Roboto"/>
+                <a:cs typeface="Courier New" panose="02070309020205020404" pitchFamily="49" charset="0"/>
+                <a:sym typeface="Roboto"/>
+              </a:rPr>
+              <a:t>it.ly/ionickerul</a:t>
+            </a:r>
+            <a:endParaRPr sz="3600" b="0" i="0" strike="noStrike" cap="none" dirty="0">
               <a:solidFill>
                 <a:srgbClr val="FFFFFF"/>
               </a:solidFill>
-              <a:latin typeface="Roboto"/>
+              <a:latin typeface="Courier New" panose="02070309020205020404" pitchFamily="49" charset="0"/>
               <a:ea typeface="Roboto"/>
-              <a:cs typeface="Roboto"/>
+              <a:cs typeface="Courier New" panose="02070309020205020404" pitchFamily="49" charset="0"/>
               <a:sym typeface="Roboto"/>
             </a:endParaRPr>
           </a:p>
@@ -7553,6 +7564,155 @@
           <p:cNvPr id="2" name="Title 1">
             <a:extLst>
               <a:ext uri="{FF2B5EF4-FFF2-40B4-BE49-F238E27FC236}">
+                <a16:creationId xmlns:a16="http://schemas.microsoft.com/office/drawing/2014/main" id="{D5016401-1D29-4F99-916D-3D12824A65F2}"/>
+              </a:ext>
+            </a:extLst>
+          </p:cNvPr>
+          <p:cNvSpPr>
+            <a:spLocks noGrp="1"/>
+          </p:cNvSpPr>
+          <p:nvPr>
+            <p:ph type="title"/>
+          </p:nvPr>
+        </p:nvSpPr>
+        <p:spPr/>
+        <p:txBody>
+          <a:bodyPr/>
+          <a:lstStyle/>
+          <a:p>
+            <a:r>
+              <a:rPr lang="en-MY" dirty="0"/>
+              <a:t>EXERCISE</a:t>
+            </a:r>
+          </a:p>
+        </p:txBody>
+      </p:sp>
+      <p:sp>
+        <p:nvSpPr>
+          <p:cNvPr id="3" name="TextBox 2">
+            <a:extLst>
+              <a:ext uri="{FF2B5EF4-FFF2-40B4-BE49-F238E27FC236}">
+                <a16:creationId xmlns:a16="http://schemas.microsoft.com/office/drawing/2014/main" id="{234B07ED-F362-415B-9B1E-02AA85DC17E7}"/>
+              </a:ext>
+            </a:extLst>
+          </p:cNvPr>
+          <p:cNvSpPr txBox="1"/>
+          <p:nvPr/>
+        </p:nvSpPr>
+        <p:spPr>
+          <a:xfrm>
+            <a:off x="524540" y="1173182"/>
+            <a:ext cx="8094920" cy="3970318"/>
+          </a:xfrm>
+          <a:prstGeom prst="rect">
+            <a:avLst/>
+          </a:prstGeom>
+          <a:noFill/>
+        </p:spPr>
+        <p:txBody>
+          <a:bodyPr wrap="square" rtlCol="0">
+            <a:spAutoFit/>
+          </a:bodyPr>
+          <a:lstStyle/>
+          <a:p>
+            <a:r>
+              <a:rPr lang="en-MY" sz="2800" dirty="0"/>
+              <a:t>S-CRUD – means Search, Create, Update &amp; Delete. Search and Create have been demoed to you.</a:t>
+            </a:r>
+          </a:p>
+          <a:p>
+            <a:endParaRPr lang="en-MY" sz="2800" dirty="0"/>
+          </a:p>
+          <a:p>
+            <a:r>
+              <a:rPr lang="en-MY" sz="2800" dirty="0"/>
+              <a:t>Now students need to do Search and Update on a new Table named </a:t>
+            </a:r>
+            <a:r>
+              <a:rPr lang="en-MY" sz="2800" i="1" dirty="0"/>
+              <a:t>AHLI</a:t>
+            </a:r>
+            <a:r>
+              <a:rPr lang="en-MY" sz="2800" dirty="0"/>
+              <a:t> – with column </a:t>
+            </a:r>
+            <a:r>
+              <a:rPr lang="en-MY" sz="2800" i="1" dirty="0" err="1"/>
+              <a:t>nama</a:t>
+            </a:r>
+            <a:r>
+              <a:rPr lang="en-MY" sz="2800" dirty="0"/>
+              <a:t>, </a:t>
+            </a:r>
+            <a:r>
+              <a:rPr lang="en-MY" sz="2800" i="1" dirty="0" err="1"/>
+              <a:t>nomborwasap</a:t>
+            </a:r>
+            <a:r>
+              <a:rPr lang="en-MY" sz="2800" dirty="0"/>
+              <a:t>, </a:t>
+            </a:r>
+            <a:r>
+              <a:rPr lang="en-MY" sz="2800" i="1" dirty="0"/>
+              <a:t>email</a:t>
+            </a:r>
+            <a:r>
+              <a:rPr lang="en-MY" sz="2800" dirty="0"/>
+              <a:t>, and </a:t>
+            </a:r>
+            <a:r>
+              <a:rPr lang="en-MY" sz="2800" i="1" dirty="0" err="1"/>
+              <a:t>akaunInstagram</a:t>
+            </a:r>
+            <a:r>
+              <a:rPr lang="en-MY" sz="2800" dirty="0"/>
+              <a:t>.</a:t>
+            </a:r>
+            <a:endParaRPr lang="nb-NO" sz="2800" dirty="0"/>
+          </a:p>
+          <a:p>
+            <a:endParaRPr lang="nb-NO" sz="2800" dirty="0"/>
+          </a:p>
+          <a:p>
+            <a:endParaRPr lang="en-MY" sz="2800" dirty="0"/>
+          </a:p>
+        </p:txBody>
+      </p:sp>
+    </p:spTree>
+    <p:extLst>
+      <p:ext uri="{BB962C8B-B14F-4D97-AF65-F5344CB8AC3E}">
+        <p14:creationId xmlns:p14="http://schemas.microsoft.com/office/powerpoint/2010/main" val="2275075381"/>
+      </p:ext>
+    </p:extLst>
+  </p:cSld>
+  <p:clrMapOvr>
+    <a:masterClrMapping/>
+  </p:clrMapOvr>
+</p:sld>
+</file>
+
+<file path=ppt/slides/slide17.xml><?xml version="1.0" encoding="utf-8"?>
+<p:sld xmlns:a="http://schemas.openxmlformats.org/drawingml/2006/main" xmlns:r="http://schemas.openxmlformats.org/officeDocument/2006/relationships" xmlns:p="http://schemas.openxmlformats.org/presentationml/2006/main">
+  <p:cSld>
+    <p:spTree>
+      <p:nvGrpSpPr>
+        <p:cNvPr id="1" name=""/>
+        <p:cNvGrpSpPr/>
+        <p:nvPr/>
+      </p:nvGrpSpPr>
+      <p:grpSpPr>
+        <a:xfrm>
+          <a:off x="0" y="0"/>
+          <a:ext cx="0" cy="0"/>
+          <a:chOff x="0" y="0"/>
+          <a:chExt cx="0" cy="0"/>
+        </a:xfrm>
+      </p:grpSpPr>
+      <p:sp>
+        <p:nvSpPr>
+          <p:cNvPr id="2" name="Title 1">
+            <a:extLst>
+              <a:ext uri="{FF2B5EF4-FFF2-40B4-BE49-F238E27FC236}">
                 <a16:creationId xmlns:a16="http://schemas.microsoft.com/office/drawing/2014/main" id="{393E0D1B-41C7-4608-ACC9-E4B5394017FB}"/>
               </a:ext>
             </a:extLst>
@@ -8168,7 +8328,7 @@
           <a:p>
             <a:r>
               <a:rPr lang="en-MY" sz="2800" dirty="0"/>
-              <a:t>Select record process to Firebase in service</a:t>
+              <a:t>SELECT record process to Firebase in service</a:t>
             </a:r>
             <a:endParaRPr lang="nb-NO" sz="2800" dirty="0"/>
           </a:p>
